--- a/2020/9月.pptx
+++ b/2020/9月.pptx
@@ -13,6 +13,8 @@
     <p:sldId id="262" r:id="rId7"/>
     <p:sldId id="263" r:id="rId8"/>
     <p:sldId id="264" r:id="rId9"/>
+    <p:sldId id="265" r:id="rId10"/>
+    <p:sldId id="266" r:id="rId11"/>
   </p:sldIdLst>
   <p:sldSz cx="12192000" cy="6858000"/>
   <p:notesSz cx="6858000" cy="9144000"/>
@@ -295,7 +297,8 @@
           <a:p>
             <a:fld id="{A9162426-FAE3-48F1-97A0-BDCE63700D7C}" type="datetimeFigureOut">
               <a:rPr lang="vi-VN" smtClean="0"/>
-              <a:t>13/06/2020</a:t>
+              <a:pPr/>
+              <a:t>06/09/2020</a:t>
             </a:fld>
             <a:endParaRPr lang="vi-VN"/>
           </a:p>
@@ -337,6 +340,7 @@
           <a:p>
             <a:fld id="{061FD365-16F4-4C63-B65B-6AD0E279F851}" type="slidenum">
               <a:rPr lang="vi-VN" smtClean="0"/>
+              <a:pPr/>
               <a:t>‹#›</a:t>
             </a:fld>
             <a:endParaRPr lang="vi-VN"/>
@@ -346,7 +350,7 @@
     </p:spTree>
     <p:extLst>
       <p:ext uri="{BB962C8B-B14F-4D97-AF65-F5344CB8AC3E}">
-        <p14:creationId xmlns:p14="http://schemas.microsoft.com/office/powerpoint/2010/main" val="1755929621"/>
+        <p14:creationId xmlns:p14="http://schemas.microsoft.com/office/powerpoint/2010/main" xmlns="" val="1755929621"/>
       </p:ext>
     </p:extLst>
   </p:cSld>
@@ -465,7 +469,8 @@
           <a:p>
             <a:fld id="{A9162426-FAE3-48F1-97A0-BDCE63700D7C}" type="datetimeFigureOut">
               <a:rPr lang="vi-VN" smtClean="0"/>
-              <a:t>13/06/2020</a:t>
+              <a:pPr/>
+              <a:t>06/09/2020</a:t>
             </a:fld>
             <a:endParaRPr lang="vi-VN"/>
           </a:p>
@@ -507,6 +512,7 @@
           <a:p>
             <a:fld id="{061FD365-16F4-4C63-B65B-6AD0E279F851}" type="slidenum">
               <a:rPr lang="vi-VN" smtClean="0"/>
+              <a:pPr/>
               <a:t>‹#›</a:t>
             </a:fld>
             <a:endParaRPr lang="vi-VN"/>
@@ -516,7 +522,7 @@
     </p:spTree>
     <p:extLst>
       <p:ext uri="{BB962C8B-B14F-4D97-AF65-F5344CB8AC3E}">
-        <p14:creationId xmlns:p14="http://schemas.microsoft.com/office/powerpoint/2010/main" val="2471309824"/>
+        <p14:creationId xmlns:p14="http://schemas.microsoft.com/office/powerpoint/2010/main" xmlns="" val="2471309824"/>
       </p:ext>
     </p:extLst>
   </p:cSld>
@@ -645,7 +651,8 @@
           <a:p>
             <a:fld id="{A9162426-FAE3-48F1-97A0-BDCE63700D7C}" type="datetimeFigureOut">
               <a:rPr lang="vi-VN" smtClean="0"/>
-              <a:t>13/06/2020</a:t>
+              <a:pPr/>
+              <a:t>06/09/2020</a:t>
             </a:fld>
             <a:endParaRPr lang="vi-VN"/>
           </a:p>
@@ -687,6 +694,7 @@
           <a:p>
             <a:fld id="{061FD365-16F4-4C63-B65B-6AD0E279F851}" type="slidenum">
               <a:rPr lang="vi-VN" smtClean="0"/>
+              <a:pPr/>
               <a:t>‹#›</a:t>
             </a:fld>
             <a:endParaRPr lang="vi-VN"/>
@@ -696,7 +704,7 @@
     </p:spTree>
     <p:extLst>
       <p:ext uri="{BB962C8B-B14F-4D97-AF65-F5344CB8AC3E}">
-        <p14:creationId xmlns:p14="http://schemas.microsoft.com/office/powerpoint/2010/main" val="2861365483"/>
+        <p14:creationId xmlns:p14="http://schemas.microsoft.com/office/powerpoint/2010/main" xmlns="" val="2861365483"/>
       </p:ext>
     </p:extLst>
   </p:cSld>
@@ -815,7 +823,8 @@
           <a:p>
             <a:fld id="{A9162426-FAE3-48F1-97A0-BDCE63700D7C}" type="datetimeFigureOut">
               <a:rPr lang="vi-VN" smtClean="0"/>
-              <a:t>13/06/2020</a:t>
+              <a:pPr/>
+              <a:t>06/09/2020</a:t>
             </a:fld>
             <a:endParaRPr lang="vi-VN"/>
           </a:p>
@@ -857,6 +866,7 @@
           <a:p>
             <a:fld id="{061FD365-16F4-4C63-B65B-6AD0E279F851}" type="slidenum">
               <a:rPr lang="vi-VN" smtClean="0"/>
+              <a:pPr/>
               <a:t>‹#›</a:t>
             </a:fld>
             <a:endParaRPr lang="vi-VN"/>
@@ -866,7 +876,7 @@
     </p:spTree>
     <p:extLst>
       <p:ext uri="{BB962C8B-B14F-4D97-AF65-F5344CB8AC3E}">
-        <p14:creationId xmlns:p14="http://schemas.microsoft.com/office/powerpoint/2010/main" val="4272910374"/>
+        <p14:creationId xmlns:p14="http://schemas.microsoft.com/office/powerpoint/2010/main" xmlns="" val="4272910374"/>
       </p:ext>
     </p:extLst>
   </p:cSld>
@@ -1061,7 +1071,8 @@
           <a:p>
             <a:fld id="{A9162426-FAE3-48F1-97A0-BDCE63700D7C}" type="datetimeFigureOut">
               <a:rPr lang="vi-VN" smtClean="0"/>
-              <a:t>13/06/2020</a:t>
+              <a:pPr/>
+              <a:t>06/09/2020</a:t>
             </a:fld>
             <a:endParaRPr lang="vi-VN"/>
           </a:p>
@@ -1103,6 +1114,7 @@
           <a:p>
             <a:fld id="{061FD365-16F4-4C63-B65B-6AD0E279F851}" type="slidenum">
               <a:rPr lang="vi-VN" smtClean="0"/>
+              <a:pPr/>
               <a:t>‹#›</a:t>
             </a:fld>
             <a:endParaRPr lang="vi-VN"/>
@@ -1112,7 +1124,7 @@
     </p:spTree>
     <p:extLst>
       <p:ext uri="{BB962C8B-B14F-4D97-AF65-F5344CB8AC3E}">
-        <p14:creationId xmlns:p14="http://schemas.microsoft.com/office/powerpoint/2010/main" val="4066616509"/>
+        <p14:creationId xmlns:p14="http://schemas.microsoft.com/office/powerpoint/2010/main" xmlns="" val="4066616509"/>
       </p:ext>
     </p:extLst>
   </p:cSld>
@@ -1349,7 +1361,8 @@
           <a:p>
             <a:fld id="{A9162426-FAE3-48F1-97A0-BDCE63700D7C}" type="datetimeFigureOut">
               <a:rPr lang="vi-VN" smtClean="0"/>
-              <a:t>13/06/2020</a:t>
+              <a:pPr/>
+              <a:t>06/09/2020</a:t>
             </a:fld>
             <a:endParaRPr lang="vi-VN"/>
           </a:p>
@@ -1391,6 +1404,7 @@
           <a:p>
             <a:fld id="{061FD365-16F4-4C63-B65B-6AD0E279F851}" type="slidenum">
               <a:rPr lang="vi-VN" smtClean="0"/>
+              <a:pPr/>
               <a:t>‹#›</a:t>
             </a:fld>
             <a:endParaRPr lang="vi-VN"/>
@@ -1400,7 +1414,7 @@
     </p:spTree>
     <p:extLst>
       <p:ext uri="{BB962C8B-B14F-4D97-AF65-F5344CB8AC3E}">
-        <p14:creationId xmlns:p14="http://schemas.microsoft.com/office/powerpoint/2010/main" val="4000003670"/>
+        <p14:creationId xmlns:p14="http://schemas.microsoft.com/office/powerpoint/2010/main" xmlns="" val="4000003670"/>
       </p:ext>
     </p:extLst>
   </p:cSld>
@@ -1771,7 +1785,8 @@
           <a:p>
             <a:fld id="{A9162426-FAE3-48F1-97A0-BDCE63700D7C}" type="datetimeFigureOut">
               <a:rPr lang="vi-VN" smtClean="0"/>
-              <a:t>13/06/2020</a:t>
+              <a:pPr/>
+              <a:t>06/09/2020</a:t>
             </a:fld>
             <a:endParaRPr lang="vi-VN"/>
           </a:p>
@@ -1813,6 +1828,7 @@
           <a:p>
             <a:fld id="{061FD365-16F4-4C63-B65B-6AD0E279F851}" type="slidenum">
               <a:rPr lang="vi-VN" smtClean="0"/>
+              <a:pPr/>
               <a:t>‹#›</a:t>
             </a:fld>
             <a:endParaRPr lang="vi-VN"/>
@@ -1822,7 +1838,7 @@
     </p:spTree>
     <p:extLst>
       <p:ext uri="{BB962C8B-B14F-4D97-AF65-F5344CB8AC3E}">
-        <p14:creationId xmlns:p14="http://schemas.microsoft.com/office/powerpoint/2010/main" val="2797833362"/>
+        <p14:creationId xmlns:p14="http://schemas.microsoft.com/office/powerpoint/2010/main" xmlns="" val="2797833362"/>
       </p:ext>
     </p:extLst>
   </p:cSld>
@@ -1889,7 +1905,8 @@
           <a:p>
             <a:fld id="{A9162426-FAE3-48F1-97A0-BDCE63700D7C}" type="datetimeFigureOut">
               <a:rPr lang="vi-VN" smtClean="0"/>
-              <a:t>13/06/2020</a:t>
+              <a:pPr/>
+              <a:t>06/09/2020</a:t>
             </a:fld>
             <a:endParaRPr lang="vi-VN"/>
           </a:p>
@@ -1931,6 +1948,7 @@
           <a:p>
             <a:fld id="{061FD365-16F4-4C63-B65B-6AD0E279F851}" type="slidenum">
               <a:rPr lang="vi-VN" smtClean="0"/>
+              <a:pPr/>
               <a:t>‹#›</a:t>
             </a:fld>
             <a:endParaRPr lang="vi-VN"/>
@@ -1940,7 +1958,7 @@
     </p:spTree>
     <p:extLst>
       <p:ext uri="{BB962C8B-B14F-4D97-AF65-F5344CB8AC3E}">
-        <p14:creationId xmlns:p14="http://schemas.microsoft.com/office/powerpoint/2010/main" val="234061667"/>
+        <p14:creationId xmlns:p14="http://schemas.microsoft.com/office/powerpoint/2010/main" xmlns="" val="234061667"/>
       </p:ext>
     </p:extLst>
   </p:cSld>
@@ -1984,7 +2002,8 @@
           <a:p>
             <a:fld id="{A9162426-FAE3-48F1-97A0-BDCE63700D7C}" type="datetimeFigureOut">
               <a:rPr lang="vi-VN" smtClean="0"/>
-              <a:t>13/06/2020</a:t>
+              <a:pPr/>
+              <a:t>06/09/2020</a:t>
             </a:fld>
             <a:endParaRPr lang="vi-VN"/>
           </a:p>
@@ -2026,6 +2045,7 @@
           <a:p>
             <a:fld id="{061FD365-16F4-4C63-B65B-6AD0E279F851}" type="slidenum">
               <a:rPr lang="vi-VN" smtClean="0"/>
+              <a:pPr/>
               <a:t>‹#›</a:t>
             </a:fld>
             <a:endParaRPr lang="vi-VN"/>
@@ -2035,7 +2055,7 @@
     </p:spTree>
     <p:extLst>
       <p:ext uri="{BB962C8B-B14F-4D97-AF65-F5344CB8AC3E}">
-        <p14:creationId xmlns:p14="http://schemas.microsoft.com/office/powerpoint/2010/main" val="57081738"/>
+        <p14:creationId xmlns:p14="http://schemas.microsoft.com/office/powerpoint/2010/main" xmlns="" val="57081738"/>
       </p:ext>
     </p:extLst>
   </p:cSld>
@@ -2261,7 +2281,8 @@
           <a:p>
             <a:fld id="{A9162426-FAE3-48F1-97A0-BDCE63700D7C}" type="datetimeFigureOut">
               <a:rPr lang="vi-VN" smtClean="0"/>
-              <a:t>13/06/2020</a:t>
+              <a:pPr/>
+              <a:t>06/09/2020</a:t>
             </a:fld>
             <a:endParaRPr lang="vi-VN"/>
           </a:p>
@@ -2303,6 +2324,7 @@
           <a:p>
             <a:fld id="{061FD365-16F4-4C63-B65B-6AD0E279F851}" type="slidenum">
               <a:rPr lang="vi-VN" smtClean="0"/>
+              <a:pPr/>
               <a:t>‹#›</a:t>
             </a:fld>
             <a:endParaRPr lang="vi-VN"/>
@@ -2312,7 +2334,7 @@
     </p:spTree>
     <p:extLst>
       <p:ext uri="{BB962C8B-B14F-4D97-AF65-F5344CB8AC3E}">
-        <p14:creationId xmlns:p14="http://schemas.microsoft.com/office/powerpoint/2010/main" val="3701773980"/>
+        <p14:creationId xmlns:p14="http://schemas.microsoft.com/office/powerpoint/2010/main" xmlns="" val="3701773980"/>
       </p:ext>
     </p:extLst>
   </p:cSld>
@@ -2518,7 +2540,8 @@
           <a:p>
             <a:fld id="{A9162426-FAE3-48F1-97A0-BDCE63700D7C}" type="datetimeFigureOut">
               <a:rPr lang="vi-VN" smtClean="0"/>
-              <a:t>13/06/2020</a:t>
+              <a:pPr/>
+              <a:t>06/09/2020</a:t>
             </a:fld>
             <a:endParaRPr lang="vi-VN"/>
           </a:p>
@@ -2560,6 +2583,7 @@
           <a:p>
             <a:fld id="{061FD365-16F4-4C63-B65B-6AD0E279F851}" type="slidenum">
               <a:rPr lang="vi-VN" smtClean="0"/>
+              <a:pPr/>
               <a:t>‹#›</a:t>
             </a:fld>
             <a:endParaRPr lang="vi-VN"/>
@@ -2569,7 +2593,7 @@
     </p:spTree>
     <p:extLst>
       <p:ext uri="{BB962C8B-B14F-4D97-AF65-F5344CB8AC3E}">
-        <p14:creationId xmlns:p14="http://schemas.microsoft.com/office/powerpoint/2010/main" val="3628066172"/>
+        <p14:creationId xmlns:p14="http://schemas.microsoft.com/office/powerpoint/2010/main" xmlns="" val="3628066172"/>
       </p:ext>
     </p:extLst>
   </p:cSld>
@@ -2736,7 +2760,8 @@
           <a:p>
             <a:fld id="{A9162426-FAE3-48F1-97A0-BDCE63700D7C}" type="datetimeFigureOut">
               <a:rPr lang="vi-VN" smtClean="0"/>
-              <a:t>13/06/2020</a:t>
+              <a:pPr/>
+              <a:t>06/09/2020</a:t>
             </a:fld>
             <a:endParaRPr lang="vi-VN"/>
           </a:p>
@@ -2814,6 +2839,7 @@
           <a:p>
             <a:fld id="{061FD365-16F4-4C63-B65B-6AD0E279F851}" type="slidenum">
               <a:rPr lang="vi-VN" smtClean="0"/>
+              <a:pPr/>
               <a:t>‹#›</a:t>
             </a:fld>
             <a:endParaRPr lang="vi-VN"/>
@@ -2823,7 +2849,7 @@
     </p:spTree>
     <p:extLst>
       <p:ext uri="{BB962C8B-B14F-4D97-AF65-F5344CB8AC3E}">
-        <p14:creationId xmlns:p14="http://schemas.microsoft.com/office/powerpoint/2010/main" val="713311537"/>
+        <p14:creationId xmlns:p14="http://schemas.microsoft.com/office/powerpoint/2010/main" xmlns="" val="713311537"/>
       </p:ext>
     </p:extLst>
   </p:cSld>
@@ -3130,6 +3156,9 @@
           <a:p>
             <a:r>
               <a:rPr lang="zh-CN" altLang="en-US" sz="4800" b="1" dirty="0" smtClean="0">
+                <a:solidFill>
+                  <a:srgbClr val="C00000"/>
+                </a:solidFill>
                 <a:latin typeface="Microsoft JhengHei" panose="020B0604030504040204" pitchFamily="34" charset="-120"/>
                 <a:ea typeface="Microsoft JhengHei" panose="020B0604030504040204" pitchFamily="34" charset="-120"/>
               </a:rPr>
@@ -3137,6 +3166,9 @@
             </a:r>
             <a:r>
               <a:rPr lang="zh-CN" altLang="en-US" sz="4800" b="1" dirty="0">
+                <a:solidFill>
+                  <a:srgbClr val="C00000"/>
+                </a:solidFill>
                 <a:latin typeface="Microsoft JhengHei" panose="020B0604030504040204" pitchFamily="34" charset="-120"/>
                 <a:ea typeface="Microsoft JhengHei" panose="020B0604030504040204" pitchFamily="34" charset="-120"/>
               </a:rPr>
@@ -3144,12 +3176,18 @@
             </a:r>
             <a:r>
               <a:rPr lang="zh-CN" altLang="en-US" sz="4800" b="1" dirty="0" smtClean="0">
+                <a:solidFill>
+                  <a:srgbClr val="C00000"/>
+                </a:solidFill>
                 <a:latin typeface="Microsoft JhengHei" panose="020B0604030504040204" pitchFamily="34" charset="-120"/>
                 <a:ea typeface="Microsoft JhengHei" panose="020B0604030504040204" pitchFamily="34" charset="-120"/>
               </a:rPr>
               <a:t>我知道</a:t>
             </a:r>
             <a:endParaRPr lang="vi-VN" sz="4800" b="1" dirty="0">
+              <a:solidFill>
+                <a:srgbClr val="C00000"/>
+              </a:solidFill>
               <a:ea typeface="Microsoft JhengHei" panose="020B0604030504040204" pitchFamily="34" charset="-120"/>
             </a:endParaRPr>
           </a:p>
@@ -3177,6 +3215,9 @@
             </a:pPr>
             <a:r>
               <a:rPr lang="zh-CN" altLang="en-US" sz="5400" b="1" dirty="0">
+                <a:solidFill>
+                  <a:srgbClr val="C00000"/>
+                </a:solidFill>
                 <a:latin typeface="Microsoft JhengHei" panose="020B0604030504040204" pitchFamily="34" charset="-120"/>
                 <a:ea typeface="Microsoft JhengHei" panose="020B0604030504040204" pitchFamily="34" charset="-120"/>
               </a:rPr>
@@ -3184,6 +3225,9 @@
             </a:r>
             <a:r>
               <a:rPr lang="zh-CN" altLang="en-US" sz="5400" b="1" dirty="0" smtClean="0">
+                <a:solidFill>
+                  <a:srgbClr val="C00000"/>
+                </a:solidFill>
                 <a:latin typeface="Microsoft JhengHei" panose="020B0604030504040204" pitchFamily="34" charset="-120"/>
                 <a:ea typeface="Microsoft JhengHei" panose="020B0604030504040204" pitchFamily="34" charset="-120"/>
               </a:rPr>
@@ -3191,6 +3235,9 @@
             </a:r>
             <a:r>
               <a:rPr lang="zh-CN" altLang="en-US" sz="5400" b="1" dirty="0">
+                <a:solidFill>
+                  <a:srgbClr val="C00000"/>
+                </a:solidFill>
                 <a:latin typeface="Microsoft JhengHei" panose="020B0604030504040204" pitchFamily="34" charset="-120"/>
                 <a:ea typeface="Microsoft JhengHei" panose="020B0604030504040204" pitchFamily="34" charset="-120"/>
               </a:rPr>
@@ -3198,12 +3245,18 @@
             </a:r>
             <a:r>
               <a:rPr lang="zh-CN" altLang="en-US" sz="5400" b="1" dirty="0" smtClean="0">
+                <a:solidFill>
+                  <a:srgbClr val="C00000"/>
+                </a:solidFill>
                 <a:latin typeface="Microsoft JhengHei" panose="020B0604030504040204" pitchFamily="34" charset="-120"/>
                 <a:ea typeface="Microsoft JhengHei" panose="020B0604030504040204" pitchFamily="34" charset="-120"/>
               </a:rPr>
               <a:t>道</a:t>
             </a:r>
             <a:endParaRPr lang="en-US" altLang="zh-CN" sz="5400" b="1" dirty="0" smtClean="0">
+              <a:solidFill>
+                <a:srgbClr val="C00000"/>
+              </a:solidFill>
               <a:latin typeface="Microsoft JhengHei" panose="020B0604030504040204" pitchFamily="34" charset="-120"/>
               <a:ea typeface="Microsoft JhengHei" panose="020B0604030504040204" pitchFamily="34" charset="-120"/>
             </a:endParaRPr>
@@ -3214,12 +3267,18 @@
             </a:pPr>
             <a:r>
               <a:rPr lang="zh-CN" altLang="en-US" sz="5400" b="1" dirty="0" smtClean="0">
+                <a:solidFill>
+                  <a:srgbClr val="C00000"/>
+                </a:solidFill>
                 <a:latin typeface="Microsoft JhengHei" panose="020B0604030504040204" pitchFamily="34" charset="-120"/>
                 <a:ea typeface="Microsoft JhengHei" panose="020B0604030504040204" pitchFamily="34" charset="-120"/>
               </a:rPr>
               <a:t>因有聖經告訴我</a:t>
             </a:r>
             <a:endParaRPr lang="en-US" altLang="zh-CN" sz="5400" b="1" dirty="0" smtClean="0">
+              <a:solidFill>
+                <a:srgbClr val="C00000"/>
+              </a:solidFill>
               <a:latin typeface="Microsoft JhengHei" panose="020B0604030504040204" pitchFamily="34" charset="-120"/>
               <a:ea typeface="Microsoft JhengHei" panose="020B0604030504040204" pitchFamily="34" charset="-120"/>
             </a:endParaRPr>
@@ -3230,12 +3289,18 @@
             </a:pPr>
             <a:r>
               <a:rPr lang="zh-CN" altLang="en-US" sz="5400" b="1" dirty="0" smtClean="0">
+                <a:solidFill>
+                  <a:srgbClr val="C00000"/>
+                </a:solidFill>
                 <a:latin typeface="Microsoft JhengHei" panose="020B0604030504040204" pitchFamily="34" charset="-120"/>
                 <a:ea typeface="Microsoft JhengHei" panose="020B0604030504040204" pitchFamily="34" charset="-120"/>
               </a:rPr>
               <a:t>幼小孩童祂牧養</a:t>
             </a:r>
             <a:endParaRPr lang="en-US" altLang="zh-CN" sz="5400" b="1" dirty="0" smtClean="0">
+              <a:solidFill>
+                <a:srgbClr val="C00000"/>
+              </a:solidFill>
               <a:latin typeface="Microsoft JhengHei" panose="020B0604030504040204" pitchFamily="34" charset="-120"/>
               <a:ea typeface="Microsoft JhengHei" panose="020B0604030504040204" pitchFamily="34" charset="-120"/>
             </a:endParaRPr>
@@ -3246,6 +3311,9 @@
             </a:pPr>
             <a:r>
               <a:rPr lang="zh-CN" altLang="en-US" sz="5400" b="1" dirty="0">
+                <a:solidFill>
+                  <a:srgbClr val="C00000"/>
+                </a:solidFill>
                 <a:latin typeface="Microsoft JhengHei" panose="020B0604030504040204" pitchFamily="34" charset="-120"/>
                 <a:ea typeface="Microsoft JhengHei" panose="020B0604030504040204" pitchFamily="34" charset="-120"/>
               </a:rPr>
@@ -3253,12 +3321,18 @@
             </a:r>
             <a:r>
               <a:rPr lang="zh-CN" altLang="en-US" sz="5400" b="1" dirty="0" smtClean="0">
+                <a:solidFill>
+                  <a:srgbClr val="C00000"/>
+                </a:solidFill>
                 <a:latin typeface="Microsoft JhengHei" panose="020B0604030504040204" pitchFamily="34" charset="-120"/>
                 <a:ea typeface="Microsoft JhengHei" panose="020B0604030504040204" pitchFamily="34" charset="-120"/>
               </a:rPr>
               <a:t>們軟弱主剛強</a:t>
             </a:r>
             <a:endParaRPr lang="vi-VN" sz="5400" b="1" dirty="0">
+              <a:solidFill>
+                <a:srgbClr val="C00000"/>
+              </a:solidFill>
               <a:ea typeface="Microsoft JhengHei" panose="020B0604030504040204" pitchFamily="34" charset="-120"/>
             </a:endParaRPr>
           </a:p>
@@ -3287,19 +3361,165 @@
           <a:lstStyle/>
           <a:p>
             <a:r>
-              <a:rPr lang="en-US" sz="4800" b="1" dirty="0" smtClean="0"/>
+              <a:rPr lang="en-US" sz="4800" b="1" dirty="0" smtClean="0">
+                <a:solidFill>
+                  <a:srgbClr val="C00000"/>
+                </a:solidFill>
+              </a:rPr>
               <a:t>1.</a:t>
             </a:r>
-            <a:endParaRPr lang="vi-VN" sz="4800" b="1" dirty="0"/>
+            <a:endParaRPr lang="vi-VN" sz="4800" b="1" dirty="0">
+              <a:solidFill>
+                <a:srgbClr val="C00000"/>
+              </a:solidFill>
+            </a:endParaRPr>
           </a:p>
         </p:txBody>
       </p:sp>
     </p:spTree>
     <p:extLst>
       <p:ext uri="{BB962C8B-B14F-4D97-AF65-F5344CB8AC3E}">
-        <p14:creationId xmlns:p14="http://schemas.microsoft.com/office/powerpoint/2010/main" val="2461972432"/>
+        <p14:creationId xmlns:p14="http://schemas.microsoft.com/office/powerpoint/2010/main" xmlns="" val="2461972432"/>
       </p:ext>
     </p:extLst>
+  </p:cSld>
+  <p:clrMapOvr>
+    <a:masterClrMapping/>
+  </p:clrMapOvr>
+</p:sld>
+</file>
+
+<file path=ppt/slides/slide10.xml><?xml version="1.0" encoding="utf-8"?>
+<p:sld xmlns:a="http://schemas.openxmlformats.org/drawingml/2006/main" xmlns:r="http://schemas.openxmlformats.org/officeDocument/2006/relationships" xmlns:p="http://schemas.openxmlformats.org/presentationml/2006/main">
+  <p:cSld>
+    <p:spTree>
+      <p:nvGrpSpPr>
+        <p:cNvPr id="1" name=""/>
+        <p:cNvGrpSpPr/>
+        <p:nvPr/>
+      </p:nvGrpSpPr>
+      <p:grpSpPr>
+        <a:xfrm>
+          <a:off x="0" y="0"/>
+          <a:ext cx="0" cy="0"/>
+          <a:chOff x="0" y="0"/>
+          <a:chExt cx="0" cy="0"/>
+        </a:xfrm>
+      </p:grpSpPr>
+      <p:sp>
+        <p:nvSpPr>
+          <p:cNvPr id="4" name="標題 3"/>
+          <p:cNvSpPr>
+            <a:spLocks noGrp="1"/>
+          </p:cNvSpPr>
+          <p:nvPr>
+            <p:ph type="title"/>
+          </p:nvPr>
+        </p:nvSpPr>
+        <p:spPr/>
+        <p:txBody>
+          <a:bodyPr>
+            <a:normAutofit/>
+          </a:bodyPr>
+          <a:lstStyle/>
+          <a:p>
+            <a:r>
+              <a:rPr lang="zh-TW" altLang="en-US" sz="5300" b="1" dirty="0">
+                <a:solidFill>
+                  <a:srgbClr val="002060"/>
+                </a:solidFill>
+                <a:latin typeface="Microsoft JhengHei" pitchFamily="34" charset="-120"/>
+                <a:ea typeface="Microsoft JhengHei" pitchFamily="34" charset="-120"/>
+              </a:rPr>
+              <a:t>主愛我</a:t>
+            </a:r>
+          </a:p>
+        </p:txBody>
+      </p:sp>
+      <p:sp>
+        <p:nvSpPr>
+          <p:cNvPr id="5" name="內容版面配置區 4"/>
+          <p:cNvSpPr>
+            <a:spLocks noGrp="1"/>
+          </p:cNvSpPr>
+          <p:nvPr>
+            <p:ph idx="1"/>
+          </p:nvPr>
+        </p:nvSpPr>
+        <p:spPr/>
+        <p:txBody>
+          <a:bodyPr>
+            <a:noAutofit/>
+          </a:bodyPr>
+          <a:lstStyle/>
+          <a:p>
+            <a:pPr algn="ctr">
+              <a:buNone/>
+            </a:pPr>
+            <a:r>
+              <a:rPr lang="zh-TW" altLang="en-US" sz="6400" b="1" dirty="0">
+                <a:solidFill>
+                  <a:srgbClr val="002060"/>
+                </a:solidFill>
+                <a:latin typeface="Microsoft JhengHei" pitchFamily="34" charset="-120"/>
+                <a:ea typeface="Microsoft JhengHei" pitchFamily="34" charset="-120"/>
+              </a:rPr>
+              <a:t>星為我伴</a:t>
+            </a:r>
+            <a:r>
+              <a:rPr lang="zh-TW" altLang="en-US" sz="6400" b="1" dirty="0" smtClean="0">
+                <a:solidFill>
+                  <a:srgbClr val="002060"/>
+                </a:solidFill>
+                <a:latin typeface="Microsoft JhengHei" pitchFamily="34" charset="-120"/>
+                <a:ea typeface="Microsoft JhengHei" pitchFamily="34" charset="-120"/>
+              </a:rPr>
+              <a:t>奏  風</a:t>
+            </a:r>
+            <a:r>
+              <a:rPr lang="zh-TW" altLang="en-US" sz="6400" b="1" dirty="0">
+                <a:solidFill>
+                  <a:srgbClr val="002060"/>
+                </a:solidFill>
+                <a:latin typeface="Microsoft JhengHei" pitchFamily="34" charset="-120"/>
+                <a:ea typeface="Microsoft JhengHei" pitchFamily="34" charset="-120"/>
+              </a:rPr>
+              <a:t>跟我握手</a:t>
+            </a:r>
+          </a:p>
+          <a:p>
+            <a:pPr algn="ctr">
+              <a:buNone/>
+            </a:pPr>
+            <a:r>
+              <a:rPr lang="zh-TW" altLang="en-US" sz="6400" b="1" dirty="0">
+                <a:solidFill>
+                  <a:srgbClr val="002060"/>
+                </a:solidFill>
+                <a:latin typeface="Microsoft JhengHei" pitchFamily="34" charset="-120"/>
+                <a:ea typeface="Microsoft JhengHei" pitchFamily="34" charset="-120"/>
+              </a:rPr>
+              <a:t>天地海合奏</a:t>
+            </a:r>
+          </a:p>
+          <a:p>
+            <a:pPr algn="ctr">
+              <a:buNone/>
+            </a:pPr>
+            <a:r>
+              <a:rPr lang="zh-TW" altLang="en-US" sz="6400" b="1" dirty="0">
+                <a:solidFill>
+                  <a:srgbClr val="002060"/>
+                </a:solidFill>
+                <a:latin typeface="Microsoft JhengHei" pitchFamily="34" charset="-120"/>
+                <a:ea typeface="Microsoft JhengHei" pitchFamily="34" charset="-120"/>
+              </a:rPr>
+              <a:t>都表明主的愛</a:t>
+            </a:r>
+          </a:p>
+        </p:txBody>
+      </p:sp>
+    </p:spTree>
   </p:cSld>
   <p:clrMapOvr>
     <a:masterClrMapping/>
@@ -3343,6 +3563,9 @@
           <a:p>
             <a:r>
               <a:rPr lang="zh-CN" altLang="en-US" sz="4800" b="1" dirty="0" smtClean="0">
+                <a:solidFill>
+                  <a:srgbClr val="C00000"/>
+                </a:solidFill>
                 <a:latin typeface="Microsoft JhengHei" panose="020B0604030504040204" pitchFamily="34" charset="-120"/>
                 <a:ea typeface="Microsoft JhengHei" panose="020B0604030504040204" pitchFamily="34" charset="-120"/>
               </a:rPr>
@@ -3350,6 +3573,9 @@
             </a:r>
             <a:r>
               <a:rPr lang="zh-CN" altLang="en-US" sz="4800" b="1" dirty="0">
+                <a:solidFill>
+                  <a:srgbClr val="C00000"/>
+                </a:solidFill>
                 <a:latin typeface="Microsoft JhengHei" panose="020B0604030504040204" pitchFamily="34" charset="-120"/>
                 <a:ea typeface="Microsoft JhengHei" panose="020B0604030504040204" pitchFamily="34" charset="-120"/>
               </a:rPr>
@@ -3357,12 +3583,18 @@
             </a:r>
             <a:r>
               <a:rPr lang="zh-CN" altLang="en-US" sz="4800" b="1" dirty="0" smtClean="0">
+                <a:solidFill>
+                  <a:srgbClr val="C00000"/>
+                </a:solidFill>
                 <a:latin typeface="Microsoft JhengHei" panose="020B0604030504040204" pitchFamily="34" charset="-120"/>
                 <a:ea typeface="Microsoft JhengHei" panose="020B0604030504040204" pitchFamily="34" charset="-120"/>
               </a:rPr>
               <a:t>我知道</a:t>
             </a:r>
             <a:endParaRPr lang="vi-VN" sz="4800" b="1" dirty="0">
+              <a:solidFill>
+                <a:srgbClr val="C00000"/>
+              </a:solidFill>
               <a:ea typeface="Microsoft JhengHei" panose="020B0604030504040204" pitchFamily="34" charset="-120"/>
             </a:endParaRPr>
           </a:p>
@@ -3390,11 +3622,17 @@
             </a:pPr>
             <a:r>
               <a:rPr lang="zh-CN" altLang="en-US" sz="5400" b="1" dirty="0" smtClean="0">
+                <a:solidFill>
+                  <a:srgbClr val="C00000"/>
+                </a:solidFill>
                 <a:ea typeface="Microsoft JhengHei" panose="020B0604030504040204" pitchFamily="34" charset="-120"/>
               </a:rPr>
               <a:t>主耶穌愛我</a:t>
             </a:r>
             <a:endParaRPr lang="en-US" altLang="zh-CN" sz="5400" b="1" dirty="0" smtClean="0">
+              <a:solidFill>
+                <a:srgbClr val="C00000"/>
+              </a:solidFill>
               <a:ea typeface="Microsoft JhengHei" panose="020B0604030504040204" pitchFamily="34" charset="-120"/>
             </a:endParaRPr>
           </a:p>
@@ -3404,17 +3642,26 @@
             </a:pPr>
             <a:r>
               <a:rPr lang="zh-CN" altLang="en-US" sz="5400" b="1" dirty="0">
+                <a:solidFill>
+                  <a:srgbClr val="C00000"/>
+                </a:solidFill>
                 <a:ea typeface="Microsoft JhengHei" panose="020B0604030504040204" pitchFamily="34" charset="-120"/>
               </a:rPr>
               <a:t>主耶穌愛</a:t>
             </a:r>
             <a:r>
               <a:rPr lang="zh-CN" altLang="en-US" sz="5400" b="1" dirty="0" smtClean="0">
+                <a:solidFill>
+                  <a:srgbClr val="C00000"/>
+                </a:solidFill>
                 <a:ea typeface="Microsoft JhengHei" panose="020B0604030504040204" pitchFamily="34" charset="-120"/>
               </a:rPr>
               <a:t>我</a:t>
             </a:r>
             <a:endParaRPr lang="en-US" altLang="zh-CN" sz="5400" b="1" dirty="0" smtClean="0">
+              <a:solidFill>
+                <a:srgbClr val="C00000"/>
+              </a:solidFill>
               <a:ea typeface="Microsoft JhengHei" panose="020B0604030504040204" pitchFamily="34" charset="-120"/>
             </a:endParaRPr>
           </a:p>
@@ -3424,17 +3671,26 @@
             </a:pPr>
             <a:r>
               <a:rPr lang="zh-CN" altLang="en-US" sz="5400" b="1" dirty="0">
+                <a:solidFill>
+                  <a:srgbClr val="C00000"/>
+                </a:solidFill>
                 <a:ea typeface="Microsoft JhengHei" panose="020B0604030504040204" pitchFamily="34" charset="-120"/>
               </a:rPr>
               <a:t>主耶穌愛</a:t>
             </a:r>
             <a:r>
               <a:rPr lang="zh-CN" altLang="en-US" sz="5400" b="1" dirty="0" smtClean="0">
+                <a:solidFill>
+                  <a:srgbClr val="C00000"/>
+                </a:solidFill>
                 <a:ea typeface="Microsoft JhengHei" panose="020B0604030504040204" pitchFamily="34" charset="-120"/>
               </a:rPr>
               <a:t>我</a:t>
             </a:r>
             <a:endParaRPr lang="en-US" altLang="zh-CN" sz="5400" b="1" dirty="0" smtClean="0">
+              <a:solidFill>
+                <a:srgbClr val="C00000"/>
+              </a:solidFill>
               <a:ea typeface="Microsoft JhengHei" panose="020B0604030504040204" pitchFamily="34" charset="-120"/>
             </a:endParaRPr>
           </a:p>
@@ -3444,6 +3700,9 @@
             </a:pPr>
             <a:r>
               <a:rPr lang="zh-CN" altLang="en-US" sz="5400" b="1" dirty="0" smtClean="0">
+                <a:solidFill>
+                  <a:srgbClr val="C00000"/>
+                </a:solidFill>
                 <a:latin typeface="Microsoft JhengHei" panose="020B0604030504040204" pitchFamily="34" charset="-120"/>
                 <a:ea typeface="Microsoft JhengHei" panose="020B0604030504040204" pitchFamily="34" charset="-120"/>
               </a:rPr>
@@ -3451,6 +3710,9 @@
             </a:r>
             <a:r>
               <a:rPr lang="zh-CN" altLang="en-US" sz="5400" b="1" dirty="0">
+                <a:solidFill>
+                  <a:srgbClr val="C00000"/>
+                </a:solidFill>
                 <a:latin typeface="Microsoft JhengHei" panose="020B0604030504040204" pitchFamily="34" charset="-120"/>
                 <a:ea typeface="Microsoft JhengHei" panose="020B0604030504040204" pitchFamily="34" charset="-120"/>
               </a:rPr>
@@ -3458,12 +3720,18 @@
             </a:r>
             <a:r>
               <a:rPr lang="zh-CN" altLang="en-US" sz="5400" b="1" dirty="0" smtClean="0">
+                <a:solidFill>
+                  <a:srgbClr val="C00000"/>
+                </a:solidFill>
                 <a:latin typeface="Microsoft JhengHei" panose="020B0604030504040204" pitchFamily="34" charset="-120"/>
                 <a:ea typeface="Microsoft JhengHei" panose="020B0604030504040204" pitchFamily="34" charset="-120"/>
               </a:rPr>
               <a:t>我</a:t>
             </a:r>
             <a:endParaRPr lang="en-US" altLang="zh-CN" sz="5400" b="1" dirty="0">
+              <a:solidFill>
+                <a:srgbClr val="C00000"/>
+              </a:solidFill>
               <a:latin typeface="Microsoft JhengHei" panose="020B0604030504040204" pitchFamily="34" charset="-120"/>
               <a:ea typeface="Microsoft JhengHei" panose="020B0604030504040204" pitchFamily="34" charset="-120"/>
             </a:endParaRPr>
@@ -3473,7 +3741,7 @@
     </p:spTree>
     <p:extLst>
       <p:ext uri="{BB962C8B-B14F-4D97-AF65-F5344CB8AC3E}">
-        <p14:creationId xmlns:p14="http://schemas.microsoft.com/office/powerpoint/2010/main" val="396923776"/>
+        <p14:creationId xmlns:p14="http://schemas.microsoft.com/office/powerpoint/2010/main" xmlns="" val="396923776"/>
       </p:ext>
     </p:extLst>
   </p:cSld>
@@ -3519,6 +3787,9 @@
           <a:p>
             <a:r>
               <a:rPr lang="zh-CN" altLang="en-US" sz="4800" b="1" dirty="0" smtClean="0">
+                <a:solidFill>
+                  <a:srgbClr val="C00000"/>
+                </a:solidFill>
                 <a:latin typeface="Microsoft JhengHei" panose="020B0604030504040204" pitchFamily="34" charset="-120"/>
                 <a:ea typeface="Microsoft JhengHei" panose="020B0604030504040204" pitchFamily="34" charset="-120"/>
               </a:rPr>
@@ -3526,6 +3797,9 @@
             </a:r>
             <a:r>
               <a:rPr lang="zh-CN" altLang="en-US" sz="4800" b="1" dirty="0">
+                <a:solidFill>
+                  <a:srgbClr val="C00000"/>
+                </a:solidFill>
                 <a:latin typeface="Microsoft JhengHei" panose="020B0604030504040204" pitchFamily="34" charset="-120"/>
                 <a:ea typeface="Microsoft JhengHei" panose="020B0604030504040204" pitchFamily="34" charset="-120"/>
               </a:rPr>
@@ -3533,12 +3807,18 @@
             </a:r>
             <a:r>
               <a:rPr lang="zh-CN" altLang="en-US" sz="4800" b="1" dirty="0" smtClean="0">
+                <a:solidFill>
+                  <a:srgbClr val="C00000"/>
+                </a:solidFill>
                 <a:latin typeface="Microsoft JhengHei" panose="020B0604030504040204" pitchFamily="34" charset="-120"/>
                 <a:ea typeface="Microsoft JhengHei" panose="020B0604030504040204" pitchFamily="34" charset="-120"/>
               </a:rPr>
               <a:t>我知道</a:t>
             </a:r>
             <a:endParaRPr lang="vi-VN" sz="4800" b="1" dirty="0">
+              <a:solidFill>
+                <a:srgbClr val="C00000"/>
+              </a:solidFill>
               <a:ea typeface="Microsoft JhengHei" panose="020B0604030504040204" pitchFamily="34" charset="-120"/>
             </a:endParaRPr>
           </a:p>
@@ -3566,17 +3846,26 @@
             </a:pPr>
             <a:r>
               <a:rPr lang="zh-CN" altLang="en-US" sz="5400" b="1" dirty="0">
+                <a:solidFill>
+                  <a:srgbClr val="C00000"/>
+                </a:solidFill>
                 <a:ea typeface="Microsoft JhengHei" panose="020B0604030504040204" pitchFamily="34" charset="-120"/>
               </a:rPr>
               <a:t>耶</a:t>
             </a:r>
             <a:r>
               <a:rPr lang="zh-CN" altLang="en-US" sz="5400" b="1" dirty="0" smtClean="0">
+                <a:solidFill>
+                  <a:srgbClr val="C00000"/>
+                </a:solidFill>
                 <a:ea typeface="Microsoft JhengHei" panose="020B0604030504040204" pitchFamily="34" charset="-120"/>
               </a:rPr>
               <a:t>穌愛我永不變</a:t>
             </a:r>
             <a:endParaRPr lang="en-US" altLang="zh-CN" sz="5400" b="1" dirty="0" smtClean="0">
+              <a:solidFill>
+                <a:srgbClr val="C00000"/>
+              </a:solidFill>
               <a:ea typeface="Microsoft JhengHei" panose="020B0604030504040204" pitchFamily="34" charset="-120"/>
             </a:endParaRPr>
           </a:p>
@@ -3586,11 +3875,17 @@
             </a:pPr>
             <a:r>
               <a:rPr lang="zh-CN" altLang="en-US" sz="5400" b="1" dirty="0" smtClean="0">
+                <a:solidFill>
+                  <a:srgbClr val="C00000"/>
+                </a:solidFill>
                 <a:ea typeface="Microsoft JhengHei" panose="020B0604030504040204" pitchFamily="34" charset="-120"/>
               </a:rPr>
               <a:t>雖我軟弱多疾病</a:t>
             </a:r>
             <a:endParaRPr lang="en-US" altLang="zh-CN" sz="5400" b="1" dirty="0" smtClean="0">
+              <a:solidFill>
+                <a:srgbClr val="C00000"/>
+              </a:solidFill>
               <a:ea typeface="Microsoft JhengHei" panose="020B0604030504040204" pitchFamily="34" charset="-120"/>
             </a:endParaRPr>
           </a:p>
@@ -3600,17 +3895,26 @@
             </a:pPr>
             <a:r>
               <a:rPr lang="zh-CN" altLang="en-US" sz="5400" b="1" dirty="0">
+                <a:solidFill>
+                  <a:srgbClr val="C00000"/>
+                </a:solidFill>
                 <a:ea typeface="Microsoft JhengHei" panose="020B0604030504040204" pitchFamily="34" charset="-120"/>
               </a:rPr>
               <a:t>從</a:t>
             </a:r>
             <a:r>
               <a:rPr lang="zh-CN" altLang="en-US" sz="5400" b="1" dirty="0" smtClean="0">
+                <a:solidFill>
+                  <a:srgbClr val="C00000"/>
+                </a:solidFill>
                 <a:ea typeface="Microsoft JhengHei" panose="020B0604030504040204" pitchFamily="34" charset="-120"/>
               </a:rPr>
               <a:t>今離罪得釋放</a:t>
             </a:r>
             <a:endParaRPr lang="en-US" altLang="zh-CN" sz="5400" b="1" dirty="0" smtClean="0">
+              <a:solidFill>
+                <a:srgbClr val="C00000"/>
+              </a:solidFill>
               <a:ea typeface="Microsoft JhengHei" panose="020B0604030504040204" pitchFamily="34" charset="-120"/>
             </a:endParaRPr>
           </a:p>
@@ -3620,11 +3924,17 @@
             </a:pPr>
             <a:r>
               <a:rPr lang="zh-CN" altLang="en-US" sz="5400" b="1" dirty="0" smtClean="0">
+                <a:solidFill>
+                  <a:srgbClr val="C00000"/>
+                </a:solidFill>
                 <a:ea typeface="Microsoft JhengHei" panose="020B0604030504040204" pitchFamily="34" charset="-120"/>
               </a:rPr>
               <a:t>因主釘死十架上</a:t>
             </a:r>
             <a:endParaRPr lang="vi-VN" sz="5400" b="1" dirty="0">
+              <a:solidFill>
+                <a:srgbClr val="C00000"/>
+              </a:solidFill>
               <a:ea typeface="Microsoft JhengHei" panose="020B0604030504040204" pitchFamily="34" charset="-120"/>
             </a:endParaRPr>
           </a:p>
@@ -3653,21 +3963,33 @@
           <a:lstStyle/>
           <a:p>
             <a:r>
-              <a:rPr lang="en-US" sz="4800" b="1" dirty="0"/>
+              <a:rPr lang="en-US" sz="4800" b="1" dirty="0">
+                <a:solidFill>
+                  <a:srgbClr val="C00000"/>
+                </a:solidFill>
+              </a:rPr>
               <a:t>2</a:t>
             </a:r>
             <a:r>
-              <a:rPr lang="en-US" sz="4800" b="1" dirty="0" smtClean="0"/>
+              <a:rPr lang="en-US" sz="4800" b="1" dirty="0" smtClean="0">
+                <a:solidFill>
+                  <a:srgbClr val="C00000"/>
+                </a:solidFill>
+              </a:rPr>
               <a:t>.</a:t>
             </a:r>
-            <a:endParaRPr lang="vi-VN" sz="4800" b="1" dirty="0"/>
+            <a:endParaRPr lang="vi-VN" sz="4800" b="1" dirty="0">
+              <a:solidFill>
+                <a:srgbClr val="C00000"/>
+              </a:solidFill>
+            </a:endParaRPr>
           </a:p>
         </p:txBody>
       </p:sp>
     </p:spTree>
     <p:extLst>
       <p:ext uri="{BB962C8B-B14F-4D97-AF65-F5344CB8AC3E}">
-        <p14:creationId xmlns:p14="http://schemas.microsoft.com/office/powerpoint/2010/main" val="4246677577"/>
+        <p14:creationId xmlns:p14="http://schemas.microsoft.com/office/powerpoint/2010/main" xmlns="" val="4246677577"/>
       </p:ext>
     </p:extLst>
   </p:cSld>
@@ -3713,6 +4035,9 @@
           <a:p>
             <a:r>
               <a:rPr lang="zh-CN" altLang="en-US" sz="4800" b="1" dirty="0" smtClean="0">
+                <a:solidFill>
+                  <a:srgbClr val="C00000"/>
+                </a:solidFill>
                 <a:latin typeface="Microsoft JhengHei" panose="020B0604030504040204" pitchFamily="34" charset="-120"/>
                 <a:ea typeface="Microsoft JhengHei" panose="020B0604030504040204" pitchFamily="34" charset="-120"/>
               </a:rPr>
@@ -3720,6 +4045,9 @@
             </a:r>
             <a:r>
               <a:rPr lang="zh-CN" altLang="en-US" sz="4800" b="1" dirty="0">
+                <a:solidFill>
+                  <a:srgbClr val="C00000"/>
+                </a:solidFill>
                 <a:latin typeface="Microsoft JhengHei" panose="020B0604030504040204" pitchFamily="34" charset="-120"/>
                 <a:ea typeface="Microsoft JhengHei" panose="020B0604030504040204" pitchFamily="34" charset="-120"/>
               </a:rPr>
@@ -3727,12 +4055,18 @@
             </a:r>
             <a:r>
               <a:rPr lang="zh-CN" altLang="en-US" sz="4800" b="1" dirty="0" smtClean="0">
+                <a:solidFill>
+                  <a:srgbClr val="C00000"/>
+                </a:solidFill>
                 <a:latin typeface="Microsoft JhengHei" panose="020B0604030504040204" pitchFamily="34" charset="-120"/>
                 <a:ea typeface="Microsoft JhengHei" panose="020B0604030504040204" pitchFamily="34" charset="-120"/>
               </a:rPr>
               <a:t>我知道</a:t>
             </a:r>
             <a:endParaRPr lang="vi-VN" sz="4800" b="1" dirty="0">
+              <a:solidFill>
+                <a:srgbClr val="C00000"/>
+              </a:solidFill>
               <a:ea typeface="Microsoft JhengHei" panose="020B0604030504040204" pitchFamily="34" charset="-120"/>
             </a:endParaRPr>
           </a:p>
@@ -3760,11 +4094,17 @@
             </a:pPr>
             <a:r>
               <a:rPr lang="zh-CN" altLang="en-US" sz="5400" b="1" dirty="0" smtClean="0">
+                <a:solidFill>
+                  <a:srgbClr val="C00000"/>
+                </a:solidFill>
                 <a:ea typeface="Microsoft JhengHei" panose="020B0604030504040204" pitchFamily="34" charset="-120"/>
               </a:rPr>
               <a:t>主耶穌愛我</a:t>
             </a:r>
             <a:endParaRPr lang="en-US" altLang="zh-CN" sz="5400" b="1" dirty="0" smtClean="0">
+              <a:solidFill>
+                <a:srgbClr val="C00000"/>
+              </a:solidFill>
               <a:ea typeface="Microsoft JhengHei" panose="020B0604030504040204" pitchFamily="34" charset="-120"/>
             </a:endParaRPr>
           </a:p>
@@ -3774,17 +4114,26 @@
             </a:pPr>
             <a:r>
               <a:rPr lang="zh-CN" altLang="en-US" sz="5400" b="1" dirty="0">
+                <a:solidFill>
+                  <a:srgbClr val="C00000"/>
+                </a:solidFill>
                 <a:ea typeface="Microsoft JhengHei" panose="020B0604030504040204" pitchFamily="34" charset="-120"/>
               </a:rPr>
               <a:t>主耶穌愛</a:t>
             </a:r>
             <a:r>
               <a:rPr lang="zh-CN" altLang="en-US" sz="5400" b="1" dirty="0" smtClean="0">
+                <a:solidFill>
+                  <a:srgbClr val="C00000"/>
+                </a:solidFill>
                 <a:ea typeface="Microsoft JhengHei" panose="020B0604030504040204" pitchFamily="34" charset="-120"/>
               </a:rPr>
               <a:t>我</a:t>
             </a:r>
             <a:endParaRPr lang="en-US" altLang="zh-CN" sz="5400" b="1" dirty="0" smtClean="0">
+              <a:solidFill>
+                <a:srgbClr val="C00000"/>
+              </a:solidFill>
               <a:ea typeface="Microsoft JhengHei" panose="020B0604030504040204" pitchFamily="34" charset="-120"/>
             </a:endParaRPr>
           </a:p>
@@ -3794,17 +4143,26 @@
             </a:pPr>
             <a:r>
               <a:rPr lang="zh-CN" altLang="en-US" sz="5400" b="1" dirty="0">
+                <a:solidFill>
+                  <a:srgbClr val="C00000"/>
+                </a:solidFill>
                 <a:ea typeface="Microsoft JhengHei" panose="020B0604030504040204" pitchFamily="34" charset="-120"/>
               </a:rPr>
               <a:t>主耶穌愛</a:t>
             </a:r>
             <a:r>
               <a:rPr lang="zh-CN" altLang="en-US" sz="5400" b="1" dirty="0" smtClean="0">
+                <a:solidFill>
+                  <a:srgbClr val="C00000"/>
+                </a:solidFill>
                 <a:ea typeface="Microsoft JhengHei" panose="020B0604030504040204" pitchFamily="34" charset="-120"/>
               </a:rPr>
               <a:t>我</a:t>
             </a:r>
             <a:endParaRPr lang="en-US" altLang="zh-CN" sz="5400" b="1" dirty="0" smtClean="0">
+              <a:solidFill>
+                <a:srgbClr val="C00000"/>
+              </a:solidFill>
               <a:ea typeface="Microsoft JhengHei" panose="020B0604030504040204" pitchFamily="34" charset="-120"/>
             </a:endParaRPr>
           </a:p>
@@ -3814,6 +4172,9 @@
             </a:pPr>
             <a:r>
               <a:rPr lang="zh-CN" altLang="en-US" sz="5400" b="1" dirty="0" smtClean="0">
+                <a:solidFill>
+                  <a:srgbClr val="C00000"/>
+                </a:solidFill>
                 <a:latin typeface="Microsoft JhengHei" panose="020B0604030504040204" pitchFamily="34" charset="-120"/>
                 <a:ea typeface="Microsoft JhengHei" panose="020B0604030504040204" pitchFamily="34" charset="-120"/>
               </a:rPr>
@@ -3821,6 +4182,9 @@
             </a:r>
             <a:r>
               <a:rPr lang="zh-CN" altLang="en-US" sz="5400" b="1" dirty="0">
+                <a:solidFill>
+                  <a:srgbClr val="C00000"/>
+                </a:solidFill>
                 <a:latin typeface="Microsoft JhengHei" panose="020B0604030504040204" pitchFamily="34" charset="-120"/>
                 <a:ea typeface="Microsoft JhengHei" panose="020B0604030504040204" pitchFamily="34" charset="-120"/>
               </a:rPr>
@@ -3828,12 +4192,18 @@
             </a:r>
             <a:r>
               <a:rPr lang="zh-CN" altLang="en-US" sz="5400" b="1" dirty="0" smtClean="0">
+                <a:solidFill>
+                  <a:srgbClr val="C00000"/>
+                </a:solidFill>
                 <a:latin typeface="Microsoft JhengHei" panose="020B0604030504040204" pitchFamily="34" charset="-120"/>
                 <a:ea typeface="Microsoft JhengHei" panose="020B0604030504040204" pitchFamily="34" charset="-120"/>
               </a:rPr>
               <a:t>我</a:t>
             </a:r>
             <a:endParaRPr lang="en-US" altLang="zh-CN" sz="5400" b="1" dirty="0">
+              <a:solidFill>
+                <a:srgbClr val="C00000"/>
+              </a:solidFill>
               <a:latin typeface="Microsoft JhengHei" panose="020B0604030504040204" pitchFamily="34" charset="-120"/>
               <a:ea typeface="Microsoft JhengHei" panose="020B0604030504040204" pitchFamily="34" charset="-120"/>
             </a:endParaRPr>
@@ -3843,7 +4213,7 @@
     </p:spTree>
     <p:extLst>
       <p:ext uri="{BB962C8B-B14F-4D97-AF65-F5344CB8AC3E}">
-        <p14:creationId xmlns:p14="http://schemas.microsoft.com/office/powerpoint/2010/main" val="3422391119"/>
+        <p14:creationId xmlns:p14="http://schemas.microsoft.com/office/powerpoint/2010/main" xmlns="" val="3422391119"/>
       </p:ext>
     </p:extLst>
   </p:cSld>
@@ -3889,6 +4259,9 @@
           <a:p>
             <a:r>
               <a:rPr lang="zh-CN" altLang="en-US" sz="4800" b="1" dirty="0" smtClean="0">
+                <a:solidFill>
+                  <a:srgbClr val="C00000"/>
+                </a:solidFill>
                 <a:latin typeface="Microsoft JhengHei" panose="020B0604030504040204" pitchFamily="34" charset="-120"/>
                 <a:ea typeface="Microsoft JhengHei" panose="020B0604030504040204" pitchFamily="34" charset="-120"/>
               </a:rPr>
@@ -3896,6 +4269,9 @@
             </a:r>
             <a:r>
               <a:rPr lang="zh-CN" altLang="en-US" sz="4800" b="1" dirty="0">
+                <a:solidFill>
+                  <a:srgbClr val="C00000"/>
+                </a:solidFill>
                 <a:latin typeface="Microsoft JhengHei" panose="020B0604030504040204" pitchFamily="34" charset="-120"/>
                 <a:ea typeface="Microsoft JhengHei" panose="020B0604030504040204" pitchFamily="34" charset="-120"/>
               </a:rPr>
@@ -3903,12 +4279,18 @@
             </a:r>
             <a:r>
               <a:rPr lang="zh-CN" altLang="en-US" sz="4800" b="1" dirty="0" smtClean="0">
+                <a:solidFill>
+                  <a:srgbClr val="C00000"/>
+                </a:solidFill>
                 <a:latin typeface="Microsoft JhengHei" panose="020B0604030504040204" pitchFamily="34" charset="-120"/>
                 <a:ea typeface="Microsoft JhengHei" panose="020B0604030504040204" pitchFamily="34" charset="-120"/>
               </a:rPr>
               <a:t>我知道</a:t>
             </a:r>
             <a:endParaRPr lang="vi-VN" sz="4800" b="1" dirty="0">
+              <a:solidFill>
+                <a:srgbClr val="C00000"/>
+              </a:solidFill>
               <a:ea typeface="Microsoft JhengHei" panose="020B0604030504040204" pitchFamily="34" charset="-120"/>
             </a:endParaRPr>
           </a:p>
@@ -3936,11 +4318,17 @@
             </a:pPr>
             <a:r>
               <a:rPr lang="zh-CN" altLang="en-US" sz="5400" b="1" dirty="0" smtClean="0">
+                <a:solidFill>
+                  <a:srgbClr val="C00000"/>
+                </a:solidFill>
                 <a:ea typeface="Microsoft JhengHei" panose="020B0604030504040204" pitchFamily="34" charset="-120"/>
               </a:rPr>
               <a:t>耶穌愛我捨生命</a:t>
             </a:r>
             <a:endParaRPr lang="en-US" altLang="zh-CN" sz="5400" b="1" dirty="0" smtClean="0">
+              <a:solidFill>
+                <a:srgbClr val="C00000"/>
+              </a:solidFill>
               <a:ea typeface="Microsoft JhengHei" panose="020B0604030504040204" pitchFamily="34" charset="-120"/>
             </a:endParaRPr>
           </a:p>
@@ -3950,11 +4338,17 @@
             </a:pPr>
             <a:r>
               <a:rPr lang="zh-CN" altLang="en-US" sz="5400" b="1" dirty="0" smtClean="0">
+                <a:solidFill>
+                  <a:srgbClr val="C00000"/>
+                </a:solidFill>
                 <a:ea typeface="Microsoft JhengHei" panose="020B0604030504040204" pitchFamily="34" charset="-120"/>
               </a:rPr>
               <a:t>將我罪惡洗乾淨</a:t>
             </a:r>
             <a:endParaRPr lang="en-US" altLang="zh-CN" sz="5400" b="1" dirty="0" smtClean="0">
+              <a:solidFill>
+                <a:srgbClr val="C00000"/>
+              </a:solidFill>
               <a:ea typeface="Microsoft JhengHei" panose="020B0604030504040204" pitchFamily="34" charset="-120"/>
             </a:endParaRPr>
           </a:p>
@@ -3964,17 +4358,26 @@
             </a:pPr>
             <a:r>
               <a:rPr lang="zh-CN" altLang="en-US" sz="5400" b="1" dirty="0">
+                <a:solidFill>
+                  <a:srgbClr val="C00000"/>
+                </a:solidFill>
                 <a:ea typeface="Microsoft JhengHei" panose="020B0604030504040204" pitchFamily="34" charset="-120"/>
               </a:rPr>
               <a:t>天</a:t>
             </a:r>
             <a:r>
               <a:rPr lang="zh-CN" altLang="en-US" sz="5400" b="1" dirty="0" smtClean="0">
+                <a:solidFill>
+                  <a:srgbClr val="C00000"/>
+                </a:solidFill>
                 <a:ea typeface="Microsoft JhengHei" panose="020B0604030504040204" pitchFamily="34" charset="-120"/>
               </a:rPr>
               <a:t>堂恩門為我開</a:t>
             </a:r>
             <a:endParaRPr lang="en-US" altLang="zh-CN" sz="5400" b="1" dirty="0" smtClean="0">
+              <a:solidFill>
+                <a:srgbClr val="C00000"/>
+              </a:solidFill>
               <a:ea typeface="Microsoft JhengHei" panose="020B0604030504040204" pitchFamily="34" charset="-120"/>
             </a:endParaRPr>
           </a:p>
@@ -3984,11 +4387,17 @@
             </a:pPr>
             <a:r>
               <a:rPr lang="zh-CN" altLang="en-US" sz="5400" b="1" dirty="0" smtClean="0">
+                <a:solidFill>
+                  <a:srgbClr val="C00000"/>
+                </a:solidFill>
                 <a:ea typeface="Microsoft JhengHei" panose="020B0604030504040204" pitchFamily="34" charset="-120"/>
               </a:rPr>
               <a:t>讓祂小孩走進來</a:t>
             </a:r>
             <a:endParaRPr lang="vi-VN" sz="5400" b="1" dirty="0">
+              <a:solidFill>
+                <a:srgbClr val="C00000"/>
+              </a:solidFill>
               <a:ea typeface="Microsoft JhengHei" panose="020B0604030504040204" pitchFamily="34" charset="-120"/>
             </a:endParaRPr>
           </a:p>
@@ -4017,17 +4426,25 @@
           <a:lstStyle/>
           <a:p>
             <a:r>
-              <a:rPr lang="en-US" sz="4800" b="1" dirty="0" smtClean="0"/>
+              <a:rPr lang="en-US" sz="4800" b="1" dirty="0" smtClean="0">
+                <a:solidFill>
+                  <a:srgbClr val="C00000"/>
+                </a:solidFill>
+              </a:rPr>
               <a:t>3.</a:t>
             </a:r>
-            <a:endParaRPr lang="vi-VN" sz="4800" b="1" dirty="0"/>
+            <a:endParaRPr lang="vi-VN" sz="4800" b="1" dirty="0">
+              <a:solidFill>
+                <a:srgbClr val="C00000"/>
+              </a:solidFill>
+            </a:endParaRPr>
           </a:p>
         </p:txBody>
       </p:sp>
     </p:spTree>
     <p:extLst>
       <p:ext uri="{BB962C8B-B14F-4D97-AF65-F5344CB8AC3E}">
-        <p14:creationId xmlns:p14="http://schemas.microsoft.com/office/powerpoint/2010/main" val="2283922593"/>
+        <p14:creationId xmlns:p14="http://schemas.microsoft.com/office/powerpoint/2010/main" xmlns="" val="2283922593"/>
       </p:ext>
     </p:extLst>
   </p:cSld>
@@ -4073,6 +4490,9 @@
           <a:p>
             <a:r>
               <a:rPr lang="zh-CN" altLang="en-US" sz="4800" b="1" dirty="0" smtClean="0">
+                <a:solidFill>
+                  <a:srgbClr val="C00000"/>
+                </a:solidFill>
                 <a:latin typeface="Microsoft JhengHei" panose="020B0604030504040204" pitchFamily="34" charset="-120"/>
                 <a:ea typeface="Microsoft JhengHei" panose="020B0604030504040204" pitchFamily="34" charset="-120"/>
               </a:rPr>
@@ -4080,6 +4500,9 @@
             </a:r>
             <a:r>
               <a:rPr lang="zh-CN" altLang="en-US" sz="4800" b="1" dirty="0">
+                <a:solidFill>
+                  <a:srgbClr val="C00000"/>
+                </a:solidFill>
                 <a:latin typeface="Microsoft JhengHei" panose="020B0604030504040204" pitchFamily="34" charset="-120"/>
                 <a:ea typeface="Microsoft JhengHei" panose="020B0604030504040204" pitchFamily="34" charset="-120"/>
               </a:rPr>
@@ -4087,12 +4510,18 @@
             </a:r>
             <a:r>
               <a:rPr lang="zh-CN" altLang="en-US" sz="4800" b="1" dirty="0" smtClean="0">
+                <a:solidFill>
+                  <a:srgbClr val="C00000"/>
+                </a:solidFill>
                 <a:latin typeface="Microsoft JhengHei" panose="020B0604030504040204" pitchFamily="34" charset="-120"/>
                 <a:ea typeface="Microsoft JhengHei" panose="020B0604030504040204" pitchFamily="34" charset="-120"/>
               </a:rPr>
               <a:t>我知道</a:t>
             </a:r>
             <a:endParaRPr lang="vi-VN" sz="4800" b="1" dirty="0">
+              <a:solidFill>
+                <a:srgbClr val="C00000"/>
+              </a:solidFill>
               <a:ea typeface="Microsoft JhengHei" panose="020B0604030504040204" pitchFamily="34" charset="-120"/>
             </a:endParaRPr>
           </a:p>
@@ -4120,11 +4549,17 @@
             </a:pPr>
             <a:r>
               <a:rPr lang="zh-CN" altLang="en-US" sz="5400" b="1" dirty="0" smtClean="0">
+                <a:solidFill>
+                  <a:srgbClr val="C00000"/>
+                </a:solidFill>
                 <a:ea typeface="Microsoft JhengHei" panose="020B0604030504040204" pitchFamily="34" charset="-120"/>
               </a:rPr>
               <a:t>主耶穌愛我</a:t>
             </a:r>
             <a:endParaRPr lang="en-US" altLang="zh-CN" sz="5400" b="1" dirty="0" smtClean="0">
+              <a:solidFill>
+                <a:srgbClr val="C00000"/>
+              </a:solidFill>
               <a:ea typeface="Microsoft JhengHei" panose="020B0604030504040204" pitchFamily="34" charset="-120"/>
             </a:endParaRPr>
           </a:p>
@@ -4134,17 +4569,26 @@
             </a:pPr>
             <a:r>
               <a:rPr lang="zh-CN" altLang="en-US" sz="5400" b="1" dirty="0">
+                <a:solidFill>
+                  <a:srgbClr val="C00000"/>
+                </a:solidFill>
                 <a:ea typeface="Microsoft JhengHei" panose="020B0604030504040204" pitchFamily="34" charset="-120"/>
               </a:rPr>
               <a:t>主耶穌愛</a:t>
             </a:r>
             <a:r>
               <a:rPr lang="zh-CN" altLang="en-US" sz="5400" b="1" dirty="0" smtClean="0">
+                <a:solidFill>
+                  <a:srgbClr val="C00000"/>
+                </a:solidFill>
                 <a:ea typeface="Microsoft JhengHei" panose="020B0604030504040204" pitchFamily="34" charset="-120"/>
               </a:rPr>
               <a:t>我</a:t>
             </a:r>
             <a:endParaRPr lang="en-US" altLang="zh-CN" sz="5400" b="1" dirty="0" smtClean="0">
+              <a:solidFill>
+                <a:srgbClr val="C00000"/>
+              </a:solidFill>
               <a:ea typeface="Microsoft JhengHei" panose="020B0604030504040204" pitchFamily="34" charset="-120"/>
             </a:endParaRPr>
           </a:p>
@@ -4154,17 +4598,26 @@
             </a:pPr>
             <a:r>
               <a:rPr lang="zh-CN" altLang="en-US" sz="5400" b="1" dirty="0">
+                <a:solidFill>
+                  <a:srgbClr val="C00000"/>
+                </a:solidFill>
                 <a:ea typeface="Microsoft JhengHei" panose="020B0604030504040204" pitchFamily="34" charset="-120"/>
               </a:rPr>
               <a:t>主耶穌愛</a:t>
             </a:r>
             <a:r>
               <a:rPr lang="zh-CN" altLang="en-US" sz="5400" b="1" dirty="0" smtClean="0">
+                <a:solidFill>
+                  <a:srgbClr val="C00000"/>
+                </a:solidFill>
                 <a:ea typeface="Microsoft JhengHei" panose="020B0604030504040204" pitchFamily="34" charset="-120"/>
               </a:rPr>
               <a:t>我</a:t>
             </a:r>
             <a:endParaRPr lang="en-US" altLang="zh-CN" sz="5400" b="1" dirty="0" smtClean="0">
+              <a:solidFill>
+                <a:srgbClr val="C00000"/>
+              </a:solidFill>
               <a:ea typeface="Microsoft JhengHei" panose="020B0604030504040204" pitchFamily="34" charset="-120"/>
             </a:endParaRPr>
           </a:p>
@@ -4174,6 +4627,9 @@
             </a:pPr>
             <a:r>
               <a:rPr lang="zh-CN" altLang="en-US" sz="5400" b="1" dirty="0" smtClean="0">
+                <a:solidFill>
+                  <a:srgbClr val="C00000"/>
+                </a:solidFill>
                 <a:latin typeface="Microsoft JhengHei" panose="020B0604030504040204" pitchFamily="34" charset="-120"/>
                 <a:ea typeface="Microsoft JhengHei" panose="020B0604030504040204" pitchFamily="34" charset="-120"/>
               </a:rPr>
@@ -4181,6 +4637,9 @@
             </a:r>
             <a:r>
               <a:rPr lang="zh-CN" altLang="en-US" sz="5400" b="1" dirty="0">
+                <a:solidFill>
+                  <a:srgbClr val="C00000"/>
+                </a:solidFill>
                 <a:latin typeface="Microsoft JhengHei" panose="020B0604030504040204" pitchFamily="34" charset="-120"/>
                 <a:ea typeface="Microsoft JhengHei" panose="020B0604030504040204" pitchFamily="34" charset="-120"/>
               </a:rPr>
@@ -4188,12 +4647,18 @@
             </a:r>
             <a:r>
               <a:rPr lang="zh-CN" altLang="en-US" sz="5400" b="1" dirty="0" smtClean="0">
+                <a:solidFill>
+                  <a:srgbClr val="C00000"/>
+                </a:solidFill>
                 <a:latin typeface="Microsoft JhengHei" panose="020B0604030504040204" pitchFamily="34" charset="-120"/>
                 <a:ea typeface="Microsoft JhengHei" panose="020B0604030504040204" pitchFamily="34" charset="-120"/>
               </a:rPr>
               <a:t>我</a:t>
             </a:r>
             <a:endParaRPr lang="en-US" altLang="zh-CN" sz="5400" b="1" dirty="0">
+              <a:solidFill>
+                <a:srgbClr val="C00000"/>
+              </a:solidFill>
               <a:latin typeface="Microsoft JhengHei" panose="020B0604030504040204" pitchFamily="34" charset="-120"/>
               <a:ea typeface="Microsoft JhengHei" panose="020B0604030504040204" pitchFamily="34" charset="-120"/>
             </a:endParaRPr>
@@ -4203,7 +4668,7 @@
     </p:spTree>
     <p:extLst>
       <p:ext uri="{BB962C8B-B14F-4D97-AF65-F5344CB8AC3E}">
-        <p14:creationId xmlns:p14="http://schemas.microsoft.com/office/powerpoint/2010/main" val="243703172"/>
+        <p14:creationId xmlns:p14="http://schemas.microsoft.com/office/powerpoint/2010/main" xmlns="" val="243703172"/>
       </p:ext>
     </p:extLst>
   </p:cSld>
@@ -4249,6 +4714,9 @@
           <a:p>
             <a:r>
               <a:rPr lang="zh-CN" altLang="en-US" sz="4800" b="1" dirty="0" smtClean="0">
+                <a:solidFill>
+                  <a:srgbClr val="C00000"/>
+                </a:solidFill>
                 <a:latin typeface="Microsoft JhengHei" panose="020B0604030504040204" pitchFamily="34" charset="-120"/>
                 <a:ea typeface="Microsoft JhengHei" panose="020B0604030504040204" pitchFamily="34" charset="-120"/>
               </a:rPr>
@@ -4256,6 +4724,9 @@
             </a:r>
             <a:r>
               <a:rPr lang="zh-CN" altLang="en-US" sz="4800" b="1" dirty="0">
+                <a:solidFill>
+                  <a:srgbClr val="C00000"/>
+                </a:solidFill>
                 <a:latin typeface="Microsoft JhengHei" panose="020B0604030504040204" pitchFamily="34" charset="-120"/>
                 <a:ea typeface="Microsoft JhengHei" panose="020B0604030504040204" pitchFamily="34" charset="-120"/>
               </a:rPr>
@@ -4263,12 +4734,18 @@
             </a:r>
             <a:r>
               <a:rPr lang="zh-CN" altLang="en-US" sz="4800" b="1" dirty="0" smtClean="0">
+                <a:solidFill>
+                  <a:srgbClr val="C00000"/>
+                </a:solidFill>
                 <a:latin typeface="Microsoft JhengHei" panose="020B0604030504040204" pitchFamily="34" charset="-120"/>
                 <a:ea typeface="Microsoft JhengHei" panose="020B0604030504040204" pitchFamily="34" charset="-120"/>
               </a:rPr>
               <a:t>我知道</a:t>
             </a:r>
             <a:endParaRPr lang="vi-VN" sz="4800" b="1" dirty="0">
+              <a:solidFill>
+                <a:srgbClr val="C00000"/>
+              </a:solidFill>
               <a:ea typeface="Microsoft JhengHei" panose="020B0604030504040204" pitchFamily="34" charset="-120"/>
             </a:endParaRPr>
           </a:p>
@@ -4296,11 +4773,17 @@
             </a:pPr>
             <a:r>
               <a:rPr lang="zh-CN" altLang="en-US" sz="5400" b="1" dirty="0" smtClean="0">
+                <a:solidFill>
+                  <a:srgbClr val="C00000"/>
+                </a:solidFill>
                 <a:ea typeface="Microsoft JhengHei" panose="020B0604030504040204" pitchFamily="34" charset="-120"/>
               </a:rPr>
               <a:t>耶穌愛我到永遠</a:t>
             </a:r>
             <a:endParaRPr lang="en-US" altLang="zh-CN" sz="5400" b="1" dirty="0" smtClean="0">
+              <a:solidFill>
+                <a:srgbClr val="C00000"/>
+              </a:solidFill>
               <a:ea typeface="Microsoft JhengHei" panose="020B0604030504040204" pitchFamily="34" charset="-120"/>
             </a:endParaRPr>
           </a:p>
@@ -4310,17 +4793,26 @@
             </a:pPr>
             <a:r>
               <a:rPr lang="zh-CN" altLang="en-US" sz="5400" b="1" dirty="0">
+                <a:solidFill>
+                  <a:srgbClr val="C00000"/>
+                </a:solidFill>
                 <a:ea typeface="Microsoft JhengHei" panose="020B0604030504040204" pitchFamily="34" charset="-120"/>
               </a:rPr>
               <a:t>一生道</a:t>
             </a:r>
             <a:r>
               <a:rPr lang="zh-CN" altLang="en-US" sz="5400" b="1" dirty="0" smtClean="0">
+                <a:solidFill>
+                  <a:srgbClr val="C00000"/>
+                </a:solidFill>
                 <a:ea typeface="Microsoft JhengHei" panose="020B0604030504040204" pitchFamily="34" charset="-120"/>
               </a:rPr>
               <a:t>路主陪伴</a:t>
             </a:r>
             <a:endParaRPr lang="en-US" altLang="zh-CN" sz="5400" b="1" dirty="0" smtClean="0">
+              <a:solidFill>
+                <a:srgbClr val="C00000"/>
+              </a:solidFill>
               <a:ea typeface="Microsoft JhengHei" panose="020B0604030504040204" pitchFamily="34" charset="-120"/>
             </a:endParaRPr>
           </a:p>
@@ -4330,11 +4822,17 @@
             </a:pPr>
             <a:r>
               <a:rPr lang="zh-CN" altLang="en-US" sz="5400" b="1" dirty="0" smtClean="0">
+                <a:solidFill>
+                  <a:srgbClr val="C00000"/>
+                </a:solidFill>
                 <a:ea typeface="Microsoft JhengHei" panose="020B0604030504040204" pitchFamily="34" charset="-120"/>
               </a:rPr>
               <a:t>主既為我罪捨命</a:t>
             </a:r>
             <a:endParaRPr lang="en-US" altLang="zh-CN" sz="5400" b="1" dirty="0" smtClean="0">
+              <a:solidFill>
+                <a:srgbClr val="C00000"/>
+              </a:solidFill>
               <a:ea typeface="Microsoft JhengHei" panose="020B0604030504040204" pitchFamily="34" charset="-120"/>
             </a:endParaRPr>
           </a:p>
@@ -4344,17 +4842,26 @@
             </a:pPr>
             <a:r>
               <a:rPr lang="zh-CN" altLang="en-US" sz="5400" b="1" dirty="0">
+                <a:solidFill>
+                  <a:srgbClr val="C00000"/>
+                </a:solidFill>
                 <a:ea typeface="Microsoft JhengHei" panose="020B0604030504040204" pitchFamily="34" charset="-120"/>
               </a:rPr>
               <a:t>活</a:t>
             </a:r>
             <a:r>
               <a:rPr lang="zh-CN" altLang="en-US" sz="5400" b="1" dirty="0" smtClean="0">
+                <a:solidFill>
+                  <a:srgbClr val="C00000"/>
+                </a:solidFill>
                 <a:ea typeface="Microsoft JhengHei" panose="020B0604030504040204" pitchFamily="34" charset="-120"/>
               </a:rPr>
               <a:t>著願榮顯主名</a:t>
             </a:r>
             <a:endParaRPr lang="vi-VN" sz="5400" b="1" dirty="0">
+              <a:solidFill>
+                <a:srgbClr val="C00000"/>
+              </a:solidFill>
               <a:ea typeface="Microsoft JhengHei" panose="020B0604030504040204" pitchFamily="34" charset="-120"/>
             </a:endParaRPr>
           </a:p>
@@ -4383,21 +4890,33 @@
           <a:lstStyle/>
           <a:p>
             <a:r>
-              <a:rPr lang="en-US" sz="4800" b="1" dirty="0"/>
+              <a:rPr lang="en-US" sz="4800" b="1" dirty="0">
+                <a:solidFill>
+                  <a:srgbClr val="C00000"/>
+                </a:solidFill>
+              </a:rPr>
               <a:t>4</a:t>
             </a:r>
             <a:r>
-              <a:rPr lang="en-US" sz="4800" b="1" dirty="0" smtClean="0"/>
+              <a:rPr lang="en-US" sz="4800" b="1" dirty="0" smtClean="0">
+                <a:solidFill>
+                  <a:srgbClr val="C00000"/>
+                </a:solidFill>
+              </a:rPr>
               <a:t>.</a:t>
             </a:r>
-            <a:endParaRPr lang="vi-VN" sz="4800" b="1" dirty="0"/>
+            <a:endParaRPr lang="vi-VN" sz="4800" b="1" dirty="0">
+              <a:solidFill>
+                <a:srgbClr val="C00000"/>
+              </a:solidFill>
+            </a:endParaRPr>
           </a:p>
         </p:txBody>
       </p:sp>
     </p:spTree>
     <p:extLst>
       <p:ext uri="{BB962C8B-B14F-4D97-AF65-F5344CB8AC3E}">
-        <p14:creationId xmlns:p14="http://schemas.microsoft.com/office/powerpoint/2010/main" val="2662649541"/>
+        <p14:creationId xmlns:p14="http://schemas.microsoft.com/office/powerpoint/2010/main" xmlns="" val="2662649541"/>
       </p:ext>
     </p:extLst>
   </p:cSld>
@@ -4443,6 +4962,9 @@
           <a:p>
             <a:r>
               <a:rPr lang="zh-CN" altLang="en-US" sz="4800" b="1" dirty="0" smtClean="0">
+                <a:solidFill>
+                  <a:srgbClr val="C00000"/>
+                </a:solidFill>
                 <a:latin typeface="Microsoft JhengHei" panose="020B0604030504040204" pitchFamily="34" charset="-120"/>
                 <a:ea typeface="Microsoft JhengHei" panose="020B0604030504040204" pitchFamily="34" charset="-120"/>
               </a:rPr>
@@ -4450,6 +4972,9 @@
             </a:r>
             <a:r>
               <a:rPr lang="zh-CN" altLang="en-US" sz="4800" b="1" dirty="0">
+                <a:solidFill>
+                  <a:srgbClr val="C00000"/>
+                </a:solidFill>
                 <a:latin typeface="Microsoft JhengHei" panose="020B0604030504040204" pitchFamily="34" charset="-120"/>
                 <a:ea typeface="Microsoft JhengHei" panose="020B0604030504040204" pitchFamily="34" charset="-120"/>
               </a:rPr>
@@ -4457,12 +4982,18 @@
             </a:r>
             <a:r>
               <a:rPr lang="zh-CN" altLang="en-US" sz="4800" b="1" dirty="0" smtClean="0">
+                <a:solidFill>
+                  <a:srgbClr val="C00000"/>
+                </a:solidFill>
                 <a:latin typeface="Microsoft JhengHei" panose="020B0604030504040204" pitchFamily="34" charset="-120"/>
                 <a:ea typeface="Microsoft JhengHei" panose="020B0604030504040204" pitchFamily="34" charset="-120"/>
               </a:rPr>
               <a:t>我知道</a:t>
             </a:r>
             <a:endParaRPr lang="vi-VN" sz="4800" b="1" dirty="0">
+              <a:solidFill>
+                <a:srgbClr val="C00000"/>
+              </a:solidFill>
               <a:ea typeface="Microsoft JhengHei" panose="020B0604030504040204" pitchFamily="34" charset="-120"/>
             </a:endParaRPr>
           </a:p>
@@ -4490,11 +5021,17 @@
             </a:pPr>
             <a:r>
               <a:rPr lang="zh-CN" altLang="en-US" sz="5400" b="1" dirty="0" smtClean="0">
+                <a:solidFill>
+                  <a:srgbClr val="C00000"/>
+                </a:solidFill>
                 <a:ea typeface="Microsoft JhengHei" panose="020B0604030504040204" pitchFamily="34" charset="-120"/>
               </a:rPr>
               <a:t>主耶穌愛我</a:t>
             </a:r>
             <a:endParaRPr lang="en-US" altLang="zh-CN" sz="5400" b="1" dirty="0" smtClean="0">
+              <a:solidFill>
+                <a:srgbClr val="C00000"/>
+              </a:solidFill>
               <a:ea typeface="Microsoft JhengHei" panose="020B0604030504040204" pitchFamily="34" charset="-120"/>
             </a:endParaRPr>
           </a:p>
@@ -4504,17 +5041,26 @@
             </a:pPr>
             <a:r>
               <a:rPr lang="zh-CN" altLang="en-US" sz="5400" b="1" dirty="0">
+                <a:solidFill>
+                  <a:srgbClr val="C00000"/>
+                </a:solidFill>
                 <a:ea typeface="Microsoft JhengHei" panose="020B0604030504040204" pitchFamily="34" charset="-120"/>
               </a:rPr>
               <a:t>主耶穌愛</a:t>
             </a:r>
             <a:r>
               <a:rPr lang="zh-CN" altLang="en-US" sz="5400" b="1" dirty="0" smtClean="0">
+                <a:solidFill>
+                  <a:srgbClr val="C00000"/>
+                </a:solidFill>
                 <a:ea typeface="Microsoft JhengHei" panose="020B0604030504040204" pitchFamily="34" charset="-120"/>
               </a:rPr>
               <a:t>我</a:t>
             </a:r>
             <a:endParaRPr lang="en-US" altLang="zh-CN" sz="5400" b="1" dirty="0" smtClean="0">
+              <a:solidFill>
+                <a:srgbClr val="C00000"/>
+              </a:solidFill>
               <a:ea typeface="Microsoft JhengHei" panose="020B0604030504040204" pitchFamily="34" charset="-120"/>
             </a:endParaRPr>
           </a:p>
@@ -4524,17 +5070,26 @@
             </a:pPr>
             <a:r>
               <a:rPr lang="zh-CN" altLang="en-US" sz="5400" b="1" dirty="0">
+                <a:solidFill>
+                  <a:srgbClr val="C00000"/>
+                </a:solidFill>
                 <a:ea typeface="Microsoft JhengHei" panose="020B0604030504040204" pitchFamily="34" charset="-120"/>
               </a:rPr>
               <a:t>主耶穌愛</a:t>
             </a:r>
             <a:r>
               <a:rPr lang="zh-CN" altLang="en-US" sz="5400" b="1" dirty="0" smtClean="0">
+                <a:solidFill>
+                  <a:srgbClr val="C00000"/>
+                </a:solidFill>
                 <a:ea typeface="Microsoft JhengHei" panose="020B0604030504040204" pitchFamily="34" charset="-120"/>
               </a:rPr>
               <a:t>我</a:t>
             </a:r>
             <a:endParaRPr lang="en-US" altLang="zh-CN" sz="5400" b="1" dirty="0" smtClean="0">
+              <a:solidFill>
+                <a:srgbClr val="C00000"/>
+              </a:solidFill>
               <a:ea typeface="Microsoft JhengHei" panose="020B0604030504040204" pitchFamily="34" charset="-120"/>
             </a:endParaRPr>
           </a:p>
@@ -4544,6 +5099,9 @@
             </a:pPr>
             <a:r>
               <a:rPr lang="zh-CN" altLang="en-US" sz="5400" b="1" dirty="0" smtClean="0">
+                <a:solidFill>
+                  <a:srgbClr val="C00000"/>
+                </a:solidFill>
                 <a:latin typeface="Microsoft JhengHei" panose="020B0604030504040204" pitchFamily="34" charset="-120"/>
                 <a:ea typeface="Microsoft JhengHei" panose="020B0604030504040204" pitchFamily="34" charset="-120"/>
               </a:rPr>
@@ -4551,6 +5109,9 @@
             </a:r>
             <a:r>
               <a:rPr lang="zh-CN" altLang="en-US" sz="5400" b="1" dirty="0">
+                <a:solidFill>
+                  <a:srgbClr val="C00000"/>
+                </a:solidFill>
                 <a:latin typeface="Microsoft JhengHei" panose="020B0604030504040204" pitchFamily="34" charset="-120"/>
                 <a:ea typeface="Microsoft JhengHei" panose="020B0604030504040204" pitchFamily="34" charset="-120"/>
               </a:rPr>
@@ -4558,12 +5119,18 @@
             </a:r>
             <a:r>
               <a:rPr lang="zh-CN" altLang="en-US" sz="5400" b="1" dirty="0" smtClean="0">
+                <a:solidFill>
+                  <a:srgbClr val="C00000"/>
+                </a:solidFill>
                 <a:latin typeface="Microsoft JhengHei" panose="020B0604030504040204" pitchFamily="34" charset="-120"/>
                 <a:ea typeface="Microsoft JhengHei" panose="020B0604030504040204" pitchFamily="34" charset="-120"/>
               </a:rPr>
               <a:t>我</a:t>
             </a:r>
             <a:endParaRPr lang="en-US" altLang="zh-CN" sz="5400" b="1" dirty="0">
+              <a:solidFill>
+                <a:srgbClr val="C00000"/>
+              </a:solidFill>
               <a:latin typeface="Microsoft JhengHei" panose="020B0604030504040204" pitchFamily="34" charset="-120"/>
               <a:ea typeface="Microsoft JhengHei" panose="020B0604030504040204" pitchFamily="34" charset="-120"/>
             </a:endParaRPr>
@@ -4573,9 +5140,201 @@
     </p:spTree>
     <p:extLst>
       <p:ext uri="{BB962C8B-B14F-4D97-AF65-F5344CB8AC3E}">
-        <p14:creationId xmlns:p14="http://schemas.microsoft.com/office/powerpoint/2010/main" val="1353862853"/>
+        <p14:creationId xmlns:p14="http://schemas.microsoft.com/office/powerpoint/2010/main" xmlns="" val="1353862853"/>
       </p:ext>
     </p:extLst>
+  </p:cSld>
+  <p:clrMapOvr>
+    <a:masterClrMapping/>
+  </p:clrMapOvr>
+</p:sld>
+</file>
+
+<file path=ppt/slides/slide9.xml><?xml version="1.0" encoding="utf-8"?>
+<p:sld xmlns:a="http://schemas.openxmlformats.org/drawingml/2006/main" xmlns:r="http://schemas.openxmlformats.org/officeDocument/2006/relationships" xmlns:p="http://schemas.openxmlformats.org/presentationml/2006/main">
+  <p:cSld>
+    <p:spTree>
+      <p:nvGrpSpPr>
+        <p:cNvPr id="1" name=""/>
+        <p:cNvGrpSpPr/>
+        <p:nvPr/>
+      </p:nvGrpSpPr>
+      <p:grpSpPr>
+        <a:xfrm>
+          <a:off x="0" y="0"/>
+          <a:ext cx="0" cy="0"/>
+          <a:chOff x="0" y="0"/>
+          <a:chExt cx="0" cy="0"/>
+        </a:xfrm>
+      </p:grpSpPr>
+      <p:sp>
+        <p:nvSpPr>
+          <p:cNvPr id="4" name="標題 3"/>
+          <p:cNvSpPr>
+            <a:spLocks noGrp="1"/>
+          </p:cNvSpPr>
+          <p:nvPr>
+            <p:ph type="title"/>
+          </p:nvPr>
+        </p:nvSpPr>
+        <p:spPr/>
+        <p:txBody>
+          <a:bodyPr>
+            <a:normAutofit/>
+          </a:bodyPr>
+          <a:lstStyle/>
+          <a:p>
+            <a:r>
+              <a:rPr lang="zh-TW" altLang="en-US" sz="5300" b="1" dirty="0">
+                <a:solidFill>
+                  <a:srgbClr val="002060"/>
+                </a:solidFill>
+                <a:latin typeface="Microsoft JhengHei" pitchFamily="34" charset="-120"/>
+                <a:ea typeface="Microsoft JhengHei" pitchFamily="34" charset="-120"/>
+              </a:rPr>
+              <a:t>主愛</a:t>
+            </a:r>
+            <a:r>
+              <a:rPr lang="zh-TW" altLang="en-US" sz="5300" b="1" dirty="0" smtClean="0">
+                <a:solidFill>
+                  <a:srgbClr val="002060"/>
+                </a:solidFill>
+                <a:latin typeface="Microsoft JhengHei" pitchFamily="34" charset="-120"/>
+                <a:ea typeface="Microsoft JhengHei" pitchFamily="34" charset="-120"/>
+              </a:rPr>
+              <a:t>我</a:t>
+            </a:r>
+            <a:endParaRPr lang="zh-TW" altLang="en-US" sz="5300" b="1" dirty="0">
+              <a:solidFill>
+                <a:srgbClr val="002060"/>
+              </a:solidFill>
+              <a:latin typeface="Microsoft JhengHei" pitchFamily="34" charset="-120"/>
+              <a:ea typeface="Microsoft JhengHei" pitchFamily="34" charset="-120"/>
+            </a:endParaRPr>
+          </a:p>
+        </p:txBody>
+      </p:sp>
+      <p:sp>
+        <p:nvSpPr>
+          <p:cNvPr id="5" name="內容版面配置區 4"/>
+          <p:cNvSpPr>
+            <a:spLocks noGrp="1"/>
+          </p:cNvSpPr>
+          <p:nvPr>
+            <p:ph idx="1"/>
+          </p:nvPr>
+        </p:nvSpPr>
+        <p:spPr>
+          <a:xfrm>
+            <a:off x="0" y="1600201"/>
+            <a:ext cx="12192000" cy="4525963"/>
+          </a:xfrm>
+        </p:spPr>
+        <p:txBody>
+          <a:bodyPr>
+            <a:noAutofit/>
+          </a:bodyPr>
+          <a:lstStyle/>
+          <a:p>
+            <a:pPr algn="ctr">
+              <a:buNone/>
+            </a:pPr>
+            <a:r>
+              <a:rPr lang="zh-TW" altLang="en-US" sz="6400" b="1" dirty="0">
+                <a:solidFill>
+                  <a:srgbClr val="002060"/>
+                </a:solidFill>
+                <a:latin typeface="Microsoft JhengHei" pitchFamily="34" charset="-120"/>
+                <a:ea typeface="Microsoft JhengHei" pitchFamily="34" charset="-120"/>
+              </a:rPr>
+              <a:t>生活世上幸福多</a:t>
+            </a:r>
+            <a:r>
+              <a:rPr lang="en-US" sz="6400" b="1" dirty="0">
+                <a:solidFill>
+                  <a:srgbClr val="002060"/>
+                </a:solidFill>
+                <a:latin typeface="Microsoft JhengHei" pitchFamily="34" charset="-120"/>
+                <a:ea typeface="Microsoft JhengHei" pitchFamily="34" charset="-120"/>
+              </a:rPr>
+              <a:t> </a:t>
+            </a:r>
+            <a:endParaRPr lang="zh-TW" altLang="en-US" sz="6400" b="1" dirty="0" smtClean="0">
+              <a:solidFill>
+                <a:srgbClr val="002060"/>
+              </a:solidFill>
+              <a:latin typeface="Microsoft JhengHei" pitchFamily="34" charset="-120"/>
+              <a:ea typeface="Microsoft JhengHei" pitchFamily="34" charset="-120"/>
+            </a:endParaRPr>
+          </a:p>
+          <a:p>
+            <a:pPr algn="ctr">
+              <a:buNone/>
+            </a:pPr>
+            <a:r>
+              <a:rPr lang="zh-TW" altLang="en-US" sz="6400" b="1" dirty="0" smtClean="0">
+                <a:solidFill>
+                  <a:srgbClr val="002060"/>
+                </a:solidFill>
+                <a:latin typeface="Microsoft JhengHei" pitchFamily="34" charset="-120"/>
+                <a:ea typeface="Microsoft JhengHei" pitchFamily="34" charset="-120"/>
+              </a:rPr>
+              <a:t>樣樣豐富主愛我</a:t>
+            </a:r>
+          </a:p>
+          <a:p>
+            <a:pPr algn="ctr">
+              <a:buNone/>
+            </a:pPr>
+            <a:r>
+              <a:rPr lang="zh-TW" altLang="en-US" sz="6400" b="1" dirty="0" smtClean="0">
+                <a:solidFill>
+                  <a:srgbClr val="002060"/>
+                </a:solidFill>
+                <a:latin typeface="Microsoft JhengHei" pitchFamily="34" charset="-120"/>
+                <a:ea typeface="Microsoft JhengHei" pitchFamily="34" charset="-120"/>
+              </a:rPr>
+              <a:t>天</a:t>
+            </a:r>
+            <a:r>
+              <a:rPr lang="zh-TW" altLang="en-US" sz="6400" b="1" dirty="0">
+                <a:solidFill>
+                  <a:srgbClr val="002060"/>
+                </a:solidFill>
+                <a:latin typeface="Microsoft JhengHei" pitchFamily="34" charset="-120"/>
+                <a:ea typeface="Microsoft JhengHei" pitchFamily="34" charset="-120"/>
+              </a:rPr>
+              <a:t>父造人像首歌</a:t>
+            </a:r>
+          </a:p>
+          <a:p>
+            <a:pPr algn="ctr">
+              <a:buNone/>
+            </a:pPr>
+            <a:r>
+              <a:rPr lang="zh-TW" altLang="en-US" sz="6400" b="1" dirty="0">
+                <a:solidFill>
+                  <a:srgbClr val="002060"/>
+                </a:solidFill>
+                <a:latin typeface="Microsoft JhengHei" pitchFamily="34" charset="-120"/>
+                <a:ea typeface="Microsoft JhengHei" pitchFamily="34" charset="-120"/>
+              </a:rPr>
+              <a:t>開心音符</a:t>
+            </a:r>
+            <a:r>
+              <a:rPr lang="zh-TW" altLang="en-US" sz="6400" b="1" dirty="0" smtClean="0">
+                <a:solidFill>
+                  <a:srgbClr val="002060"/>
+                </a:solidFill>
+                <a:latin typeface="Microsoft JhengHei" pitchFamily="34" charset="-120"/>
+                <a:ea typeface="Microsoft JhengHei" pitchFamily="34" charset="-120"/>
+              </a:rPr>
+              <a:t>天天播</a:t>
+            </a:r>
+          </a:p>
+        </p:txBody>
+      </p:sp>
+    </p:spTree>
   </p:cSld>
   <p:clrMapOvr>
     <a:masterClrMapping/>
@@ -4865,7 +5624,7 @@
   <a:extraClrSchemeLst/>
   <a:extLst>
     <a:ext uri="{05A4C25C-085E-4340-85A3-A5531E510DB2}">
-      <thm15:themeFamily xmlns:thm15="http://schemas.microsoft.com/office/thememl/2012/main" name="Theme1" id="{AFC7C034-021A-479F-A5B0-F4AE2AC2A6F8}" vid="{E4B01A5C-7C0B-4AB8-8973-047186F18E30}"/>
+      <thm15:themeFamily xmlns:thm15="http://schemas.microsoft.com/office/thememl/2012/main" xmlns="" name="Theme1" id="{AFC7C034-021A-479F-A5B0-F4AE2AC2A6F8}" vid="{E4B01A5C-7C0B-4AB8-8973-047186F18E30}"/>
     </a:ext>
   </a:extLst>
 </a:theme>
